--- a/MJ ppt 2018-7-24.pptx
+++ b/MJ ppt 2018-7-24.pptx
@@ -204,7 +204,7 @@
           <a:p>
             <a:fld id="{13C47E39-A473-B043-85C4-435CD3C79524}" type="datetimeFigureOut">
               <a:rPr lang="en-US" smtClean="0"/>
-              <a:t>7/24/18</a:t>
+              <a:t>7/25/18</a:t>
             </a:fld>
             <a:endParaRPr lang="en-US"/>
           </a:p>
@@ -933,7 +933,7 @@
           <a:p>
             <a:fld id="{DDA51639-B2D6-4652-B8C3-1B4C224A7BAF}" type="datetimeFigureOut">
               <a:rPr lang="en-US" smtClean="0"/>
-              <a:t>7/24/18</a:t>
+              <a:t>7/25/18</a:t>
             </a:fld>
             <a:endParaRPr lang="en-US" dirty="0"/>
           </a:p>
@@ -1148,7 +1148,7 @@
           <a:p>
             <a:fld id="{CBC48EC7-AF6A-48D3-8284-14BACBEBDD84}" type="datetimeFigureOut">
               <a:rPr lang="en-US" smtClean="0"/>
-              <a:t>7/24/18</a:t>
+              <a:t>7/25/18</a:t>
             </a:fld>
             <a:endParaRPr lang="en-US" dirty="0"/>
           </a:p>
@@ -1342,7 +1342,7 @@
           <a:p>
             <a:fld id="{CBC48EC7-AF6A-48D3-8284-14BACBEBDD84}" type="datetimeFigureOut">
               <a:rPr lang="en-US" smtClean="0"/>
-              <a:t>7/24/18</a:t>
+              <a:t>7/25/18</a:t>
             </a:fld>
             <a:endParaRPr lang="en-US" dirty="0"/>
           </a:p>
@@ -1526,7 +1526,7 @@
           <a:p>
             <a:fld id="{CBC48EC7-AF6A-48D3-8284-14BACBEBDD84}" type="datetimeFigureOut">
               <a:rPr lang="en-US" smtClean="0"/>
-              <a:t>7/24/18</a:t>
+              <a:t>7/25/18</a:t>
             </a:fld>
             <a:endParaRPr lang="en-US" dirty="0"/>
           </a:p>
@@ -2111,7 +2111,7 @@
           <a:p>
             <a:fld id="{C44961B7-6B89-48AB-966F-622E2788EECC}" type="datetimeFigureOut">
               <a:rPr lang="en-US" smtClean="0"/>
-              <a:t>7/24/18</a:t>
+              <a:t>7/25/18</a:t>
             </a:fld>
             <a:endParaRPr lang="en-US" dirty="0"/>
           </a:p>
@@ -2425,7 +2425,7 @@
           <a:p>
             <a:fld id="{CBC48EC7-AF6A-48D3-8284-14BACBEBDD84}" type="datetimeFigureOut">
               <a:rPr lang="en-US" smtClean="0"/>
-              <a:t>7/24/18</a:t>
+              <a:t>7/25/18</a:t>
             </a:fld>
             <a:endParaRPr lang="en-US" dirty="0"/>
           </a:p>
@@ -2881,7 +2881,7 @@
           <a:p>
             <a:fld id="{CBC48EC7-AF6A-48D3-8284-14BACBEBDD84}" type="datetimeFigureOut">
               <a:rPr lang="en-US" smtClean="0"/>
-              <a:t>7/24/18</a:t>
+              <a:t>7/25/18</a:t>
             </a:fld>
             <a:endParaRPr lang="en-US" dirty="0"/>
           </a:p>
@@ -3018,7 +3018,7 @@
           <a:p>
             <a:fld id="{10B90D90-AA62-404D-A741-635B4370F9CB}" type="datetimeFigureOut">
               <a:rPr lang="en-US" smtClean="0"/>
-              <a:t>7/24/18</a:t>
+              <a:t>7/25/18</a:t>
             </a:fld>
             <a:endParaRPr lang="en-US" dirty="0"/>
           </a:p>
@@ -3125,7 +3125,7 @@
           <a:p>
             <a:fld id="{A57002E4-6836-46D1-9DBB-3C27C0DD3A89}" type="datetimeFigureOut">
               <a:rPr lang="en-US" smtClean="0"/>
-              <a:t>7/24/18</a:t>
+              <a:t>7/25/18</a:t>
             </a:fld>
             <a:endParaRPr lang="en-US" dirty="0"/>
           </a:p>
@@ -3519,7 +3519,7 @@
           <a:p>
             <a:fld id="{CBC48EC7-AF6A-48D3-8284-14BACBEBDD84}" type="datetimeFigureOut">
               <a:rPr lang="en-US" smtClean="0"/>
-              <a:t>7/24/18</a:t>
+              <a:t>7/25/18</a:t>
             </a:fld>
             <a:endParaRPr lang="en-US" dirty="0"/>
           </a:p>
@@ -3932,7 +3932,7 @@
           <a:p>
             <a:fld id="{CBC48EC7-AF6A-48D3-8284-14BACBEBDD84}" type="datetimeFigureOut">
               <a:rPr lang="en-US" smtClean="0"/>
-              <a:t>7/24/18</a:t>
+              <a:t>7/25/18</a:t>
             </a:fld>
             <a:endParaRPr lang="en-US" dirty="0"/>
           </a:p>
@@ -4259,7 +4259,7 @@
           <a:p>
             <a:fld id="{CBC48EC7-AF6A-48D3-8284-14BACBEBDD84}" type="datetimeFigureOut">
               <a:rPr lang="en-US" smtClean="0"/>
-              <a:t>7/24/18</a:t>
+              <a:t>7/25/18</a:t>
             </a:fld>
             <a:endParaRPr lang="en-US" dirty="0"/>
           </a:p>
@@ -7116,7 +7116,7 @@
         </p:nvSpPr>
         <p:spPr>
           <a:xfrm>
-            <a:off x="2951063" y="2614612"/>
+            <a:off x="2951059" y="1860967"/>
             <a:ext cx="6250399" cy="1200329"/>
           </a:xfrm>
           <a:prstGeom prst="rect">
@@ -7238,7 +7238,7 @@
         </p:nvSpPr>
         <p:spPr>
           <a:xfrm>
-            <a:off x="3421120" y="4037966"/>
+            <a:off x="3421116" y="3061296"/>
             <a:ext cx="5310283" cy="369332"/>
           </a:xfrm>
           <a:prstGeom prst="rect">
@@ -7260,6 +7260,36 @@
           </a:p>
         </p:txBody>
       </p:sp>
+      <p:pic>
+        <p:nvPicPr>
+          <p:cNvPr id="9" name="Picture 8">
+            <a:extLst>
+              <a:ext uri="{FF2B5EF4-FFF2-40B4-BE49-F238E27FC236}">
+                <a16:creationId xmlns:a16="http://schemas.microsoft.com/office/drawing/2014/main" id="{625FD4FF-2810-9545-9073-2063216A61BE}"/>
+              </a:ext>
+            </a:extLst>
+          </p:cNvPr>
+          <p:cNvPicPr>
+            <a:picLocks noChangeAspect="1"/>
+          </p:cNvPicPr>
+          <p:nvPr/>
+        </p:nvPicPr>
+        <p:blipFill>
+          <a:blip r:embed="rId2"/>
+          <a:stretch>
+            <a:fillRect/>
+          </a:stretch>
+        </p:blipFill>
+        <p:spPr>
+          <a:xfrm>
+            <a:off x="5101118" y="3430628"/>
+            <a:ext cx="2082800" cy="2146300"/>
+          </a:xfrm>
+          <a:prstGeom prst="rect">
+            <a:avLst/>
+          </a:prstGeom>
+        </p:spPr>
+      </p:pic>
     </p:spTree>
     <p:extLst>
       <p:ext uri="{BB962C8B-B14F-4D97-AF65-F5344CB8AC3E}">
